--- a/SlideDeck.pptx
+++ b/SlideDeck.pptx
@@ -5,10 +5,10 @@
     <p:sldMasterId id="2147483648" r:id="rId1"/>
   </p:sldMasterIdLst>
   <p:notesMasterIdLst>
-    <p:notesMasterId r:id="rId9"/>
+    <p:notesMasterId r:id="rId11"/>
   </p:notesMasterIdLst>
   <p:handoutMasterIdLst>
-    <p:handoutMasterId r:id="rId10"/>
+    <p:handoutMasterId r:id="rId12"/>
   </p:handoutMasterIdLst>
   <p:sldIdLst>
     <p:sldId id="268" r:id="rId2"/>
@@ -18,6 +18,8 @@
     <p:sldId id="273" r:id="rId6"/>
     <p:sldId id="270" r:id="rId7"/>
     <p:sldId id="271" r:id="rId8"/>
+    <p:sldId id="276" r:id="rId9"/>
+    <p:sldId id="275" r:id="rId10"/>
   </p:sldIdLst>
   <p:sldSz cx="9144000" cy="6858000" type="screen4x3"/>
   <p:notesSz cx="6858000" cy="9144000"/>
@@ -131,6 +133,9 @@
         </p15:guide>
       </p15:sldGuideLst>
     </p:ext>
+    <p:ext uri="{2D200454-40CA-4A62-9FC3-DE9A4176ACB9}">
+      <p15:notesGuideLst xmlns:p15="http://schemas.microsoft.com/office/powerpoint/2012/main"/>
+    </p:ext>
   </p:extLst>
 </p:presentation>
 </file>
@@ -217,7 +222,7 @@
           <a:p>
             <a:fld id="{41C9ED2B-FDE0-4A14-9A27-1DBEB690CC86}" type="datetimeFigureOut">
               <a:rPr lang="en-US" smtClean="0"/>
-              <a:t>4/25/2013</a:t>
+              <a:t>4/26/2013</a:t>
             </a:fld>
             <a:endParaRPr lang="en-US"/>
           </a:p>
@@ -382,7 +387,7 @@
           <a:p>
             <a:fld id="{AA161301-18C9-4CA0-A0BF-791B6E0DDD4D}" type="datetimeFigureOut">
               <a:rPr lang="en-GB" smtClean="0"/>
-              <a:t>25/04/2013</a:t>
+              <a:t>26/04/2013</a:t>
             </a:fld>
             <a:endParaRPr lang="en-GB"/>
           </a:p>
@@ -2507,70 +2512,6 @@
           <a:chExt cx="0" cy="0"/>
         </a:xfrm>
       </p:grpSpPr>
-      <p:pic>
-        <p:nvPicPr>
-          <p:cNvPr id="1028" name="Picture 4"/>
-          <p:cNvPicPr>
-            <a:picLocks noChangeAspect="1" noChangeArrowheads="1"/>
-          </p:cNvPicPr>
-          <p:nvPr userDrawn="1"/>
-        </p:nvPicPr>
-        <p:blipFill>
-          <a:blip r:embed="rId6">
-            <a:extLst>
-              <a:ext uri="{28A0092B-C50C-407E-A947-70E740481C1C}">
-                <a14:useLocalDpi xmlns:a14="http://schemas.microsoft.com/office/drawing/2010/main" val="0"/>
-              </a:ext>
-            </a:extLst>
-          </a:blip>
-          <a:srcRect/>
-          <a:stretch>
-            <a:fillRect/>
-          </a:stretch>
-        </p:blipFill>
-        <p:spPr bwMode="auto">
-          <a:xfrm>
-            <a:off x="0" y="0"/>
-            <a:ext cx="9144000" cy="6858000"/>
-          </a:xfrm>
-          <a:prstGeom prst="rect">
-            <a:avLst/>
-          </a:prstGeom>
-          <a:noFill/>
-          <a:ln>
-            <a:noFill/>
-          </a:ln>
-          <a:effectLst/>
-          <a:extLst>
-            <a:ext uri="{909E8E84-426E-40DD-AFC4-6F175D3DCCD1}">
-              <a14:hiddenFill xmlns:a14="http://schemas.microsoft.com/office/drawing/2010/main">
-                <a:solidFill>
-                  <a:schemeClr val="accent1"/>
-                </a:solidFill>
-              </a14:hiddenFill>
-            </a:ext>
-            <a:ext uri="{91240B29-F687-4F45-9708-019B960494DF}">
-              <a14:hiddenLine xmlns:a14="http://schemas.microsoft.com/office/drawing/2010/main" w="9525">
-                <a:solidFill>
-                  <a:schemeClr val="tx1"/>
-                </a:solidFill>
-                <a:miter lim="800000"/>
-                <a:headEnd/>
-                <a:tailEnd/>
-              </a14:hiddenLine>
-            </a:ext>
-            <a:ext uri="{AF507438-7753-43E0-B8FC-AC1667EBCBE1}">
-              <a14:hiddenEffects xmlns:a14="http://schemas.microsoft.com/office/drawing/2010/main">
-                <a:effectLst>
-                  <a:outerShdw dist="35921" dir="2700000" algn="ctr" rotWithShape="0">
-                    <a:schemeClr val="bg2"/>
-                  </a:outerShdw>
-                </a:effectLst>
-              </a14:hiddenEffects>
-            </a:ext>
-          </a:extLst>
-        </p:spPr>
-      </p:pic>
       <p:sp>
         <p:nvSpPr>
           <p:cNvPr id="5" name="Rectangle 4"/>
@@ -2579,7 +2520,7 @@
         </p:nvSpPr>
         <p:spPr>
           <a:xfrm>
-            <a:off x="-19050" y="0"/>
+            <a:off x="1475656" y="0"/>
             <a:ext cx="9163050" cy="6858000"/>
           </a:xfrm>
           <a:prstGeom prst="rect">
@@ -2904,14 +2845,6 @@
 <file path=ppt/slides/slide1.xml><?xml version="1.0" encoding="utf-8"?>
 <p:sld xmlns:a="http://schemas.openxmlformats.org/drawingml/2006/main" xmlns:r="http://schemas.openxmlformats.org/officeDocument/2006/relationships" xmlns:p="http://schemas.openxmlformats.org/presentationml/2006/main" showMasterPhAnim="0">
   <p:cSld>
-    <p:bg>
-      <p:bgPr>
-        <a:solidFill>
-          <a:schemeClr val="tx1"/>
-        </a:solidFill>
-        <a:effectLst/>
-      </p:bgPr>
-    </p:bg>
     <p:spTree>
       <p:nvGrpSpPr>
         <p:cNvPr id="1" name=""/>
@@ -3273,11 +3206,7 @@
           <a:p>
             <a:r>
               <a:rPr lang="en-GB" dirty="0" smtClean="0"/>
-              <a:t>SO HERE’S </a:t>
-            </a:r>
-            <a:r>
-              <a:rPr lang="en-GB" dirty="0" smtClean="0"/>
-              <a:t>THE PROBLEM…</a:t>
+              <a:t>SO HERE’S THE PROBLEM…</a:t>
             </a:r>
             <a:endParaRPr lang="en-GB" dirty="0"/>
           </a:p>
@@ -3832,11 +3761,11 @@
   <p:clrMapOvr>
     <a:masterClrMapping/>
   </p:clrMapOvr>
-  <mc:AlternateContent xmlns:mc="http://schemas.openxmlformats.org/markup-compatibility/2006">
-    <mc:Choice xmlns:p14="http://schemas.microsoft.com/office/powerpoint/2010/main" Requires="p14">
+  <mc:AlternateContent xmlns:mc="http://schemas.openxmlformats.org/markup-compatibility/2006" xmlns:p14="http://schemas.microsoft.com/office/powerpoint/2010/main">
+    <mc:Choice Requires="p14">
       <p:transition spd="slow" p14:dur="2000"/>
     </mc:Choice>
-    <mc:Fallback>
+    <mc:Fallback xmlns="">
       <p:transition spd="slow"/>
     </mc:Fallback>
   </mc:AlternateContent>
@@ -4809,7 +4738,6 @@
               <a:rPr lang="en-US" dirty="0" smtClean="0"/>
               <a:t>When you define your module with require, you also register it’s dependencies</a:t>
             </a:r>
-            <a:endParaRPr lang="en-US" dirty="0" smtClean="0"/>
           </a:p>
         </p:txBody>
       </p:sp>
@@ -4994,7 +4922,6 @@
               <a:rPr lang="en-US" dirty="0" smtClean="0"/>
               <a:t>By encapsulating our code in modules, require is able to keep our code isolated</a:t>
             </a:r>
-            <a:endParaRPr lang="en-US" dirty="0" smtClean="0"/>
           </a:p>
         </p:txBody>
       </p:sp>
@@ -5355,7 +5282,6 @@
               <a:rPr lang="da-DK" sz="2800" dirty="0" smtClean="0"/>
               <a:t>&lt;script src=”...”&gt;&lt;/script&gt;</a:t>
             </a:r>
-            <a:endParaRPr lang="da-DK" sz="2800" dirty="0" smtClean="0"/>
           </a:p>
           <a:p>
             <a:pPr lvl="1"/>
@@ -5573,6 +5499,541 @@
         <p:cTn id="1" dur="indefinite" restart="never" nodeType="tmRoot"/>
       </p:par>
     </p:tnLst>
+  </p:timing>
+</p:sld>
+</file>
+
+<file path=ppt/slides/slide8.xml><?xml version="1.0" encoding="utf-8"?>
+<p:sld xmlns:a="http://schemas.openxmlformats.org/drawingml/2006/main" xmlns:r="http://schemas.openxmlformats.org/officeDocument/2006/relationships" xmlns:p="http://schemas.openxmlformats.org/presentationml/2006/main">
+  <p:cSld>
+    <p:spTree>
+      <p:nvGrpSpPr>
+        <p:cNvPr id="1" name=""/>
+        <p:cNvGrpSpPr/>
+        <p:nvPr/>
+      </p:nvGrpSpPr>
+      <p:grpSpPr>
+        <a:xfrm>
+          <a:off x="0" y="0"/>
+          <a:ext cx="0" cy="0"/>
+          <a:chOff x="0" y="0"/>
+          <a:chExt cx="0" cy="0"/>
+        </a:xfrm>
+      </p:grpSpPr>
+      <p:sp>
+        <p:nvSpPr>
+          <p:cNvPr id="2" name="Content Placeholder 1"/>
+          <p:cNvSpPr>
+            <a:spLocks noGrp="1"/>
+          </p:cNvSpPr>
+          <p:nvPr>
+            <p:ph idx="1"/>
+          </p:nvPr>
+        </p:nvSpPr>
+        <p:spPr/>
+        <p:txBody>
+          <a:bodyPr/>
+          <a:lstStyle/>
+          <a:p>
+            <a:r>
+              <a:rPr lang="en-US" dirty="0" smtClean="0"/>
+              <a:t>Josh Schlesinger</a:t>
+            </a:r>
+          </a:p>
+          <a:p>
+            <a:r>
+              <a:rPr lang="en-US" sz="2800" dirty="0" smtClean="0">
+                <a:solidFill>
+                  <a:schemeClr val="bg1">
+                    <a:lumMod val="75000"/>
+                  </a:schemeClr>
+                </a:solidFill>
+              </a:rPr>
+              <a:t>  josh@jschlesinger.net</a:t>
+            </a:r>
+          </a:p>
+          <a:p>
+            <a:endParaRPr lang="en-US" sz="2800" dirty="0">
+              <a:solidFill>
+                <a:schemeClr val="bg1">
+                  <a:lumMod val="75000"/>
+                </a:schemeClr>
+              </a:solidFill>
+            </a:endParaRPr>
+          </a:p>
+          <a:p>
+            <a:r>
+              <a:rPr lang="en-US" sz="2800" dirty="0"/>
+              <a:t>Josh </a:t>
+            </a:r>
+            <a:r>
+              <a:rPr lang="en-US" sz="2800" dirty="0" smtClean="0"/>
+              <a:t>Rack</a:t>
+            </a:r>
+            <a:endParaRPr lang="en-US" sz="2800" dirty="0"/>
+          </a:p>
+          <a:p>
+            <a:r>
+              <a:rPr lang="en-US" sz="2800">
+                <a:solidFill>
+                  <a:schemeClr val="bg1">
+                    <a:lumMod val="75000"/>
+                  </a:schemeClr>
+                </a:solidFill>
+              </a:rPr>
+              <a:t>  </a:t>
+            </a:r>
+            <a:r>
+              <a:rPr lang="en-US" sz="2800" smtClean="0">
+                <a:solidFill>
+                  <a:schemeClr val="bg1">
+                    <a:lumMod val="75000"/>
+                  </a:schemeClr>
+                </a:solidFill>
+              </a:rPr>
+              <a:t>joshuarack@gmail.com</a:t>
+            </a:r>
+            <a:endParaRPr lang="en-US" sz="2800" dirty="0">
+              <a:solidFill>
+                <a:schemeClr val="bg1">
+                  <a:lumMod val="75000"/>
+                </a:schemeClr>
+              </a:solidFill>
+            </a:endParaRPr>
+          </a:p>
+          <a:p>
+            <a:endParaRPr lang="en-US" sz="2800" dirty="0">
+              <a:solidFill>
+                <a:schemeClr val="bg1">
+                  <a:lumMod val="75000"/>
+                </a:schemeClr>
+              </a:solidFill>
+            </a:endParaRPr>
+          </a:p>
+        </p:txBody>
+      </p:sp>
+      <p:sp>
+        <p:nvSpPr>
+          <p:cNvPr id="3" name="Title 2"/>
+          <p:cNvSpPr>
+            <a:spLocks noGrp="1"/>
+          </p:cNvSpPr>
+          <p:nvPr>
+            <p:ph type="title"/>
+          </p:nvPr>
+        </p:nvSpPr>
+        <p:spPr/>
+        <p:txBody>
+          <a:bodyPr/>
+          <a:lstStyle/>
+          <a:p>
+            <a:r>
+              <a:rPr lang="en-US" dirty="0" smtClean="0"/>
+              <a:t>CONTACT</a:t>
+            </a:r>
+            <a:endParaRPr lang="en-US" dirty="0"/>
+          </a:p>
+        </p:txBody>
+      </p:sp>
+    </p:spTree>
+    <p:extLst>
+      <p:ext uri="{BB962C8B-B14F-4D97-AF65-F5344CB8AC3E}">
+        <p14:creationId xmlns:p14="http://schemas.microsoft.com/office/powerpoint/2010/main" val="1333755685"/>
+      </p:ext>
+    </p:extLst>
+  </p:cSld>
+  <p:clrMapOvr>
+    <a:masterClrMapping/>
+  </p:clrMapOvr>
+  <mc:AlternateContent xmlns:mc="http://schemas.openxmlformats.org/markup-compatibility/2006" xmlns:p14="http://schemas.microsoft.com/office/powerpoint/2010/main">
+    <mc:Choice Requires="p14">
+      <p:transition spd="slow" p14:dur="2000"/>
+    </mc:Choice>
+    <mc:Fallback xmlns="">
+      <p:transition spd="slow"/>
+    </mc:Fallback>
+  </mc:AlternateContent>
+  <p:timing>
+    <p:tnLst>
+      <p:par>
+        <p:cTn id="1" dur="indefinite" restart="never" nodeType="tmRoot"/>
+      </p:par>
+    </p:tnLst>
+  </p:timing>
+</p:sld>
+</file>
+
+<file path=ppt/slides/slide9.xml><?xml version="1.0" encoding="utf-8"?>
+<p:sld xmlns:a="http://schemas.openxmlformats.org/drawingml/2006/main" xmlns:r="http://schemas.openxmlformats.org/officeDocument/2006/relationships" xmlns:p="http://schemas.openxmlformats.org/presentationml/2006/main">
+  <p:cSld>
+    <p:spTree>
+      <p:nvGrpSpPr>
+        <p:cNvPr id="1" name=""/>
+        <p:cNvGrpSpPr/>
+        <p:nvPr/>
+      </p:nvGrpSpPr>
+      <p:grpSpPr>
+        <a:xfrm>
+          <a:off x="0" y="0"/>
+          <a:ext cx="0" cy="0"/>
+          <a:chOff x="0" y="0"/>
+          <a:chExt cx="0" cy="0"/>
+        </a:xfrm>
+      </p:grpSpPr>
+      <p:sp>
+        <p:nvSpPr>
+          <p:cNvPr id="3" name="Title 2"/>
+          <p:cNvSpPr>
+            <a:spLocks noGrp="1"/>
+          </p:cNvSpPr>
+          <p:nvPr>
+            <p:ph type="title"/>
+          </p:nvPr>
+        </p:nvSpPr>
+        <p:spPr/>
+        <p:txBody>
+          <a:bodyPr/>
+          <a:lstStyle/>
+          <a:p>
+            <a:r>
+              <a:rPr lang="en-US" dirty="0" smtClean="0"/>
+              <a:t>RESOURCES</a:t>
+            </a:r>
+            <a:endParaRPr lang="en-US" dirty="0"/>
+          </a:p>
+        </p:txBody>
+      </p:sp>
+      <p:sp>
+        <p:nvSpPr>
+          <p:cNvPr id="5" name="Content Placeholder 2"/>
+          <p:cNvSpPr>
+            <a:spLocks noGrp="1"/>
+          </p:cNvSpPr>
+          <p:nvPr>
+            <p:ph idx="1"/>
+          </p:nvPr>
+        </p:nvSpPr>
+        <p:spPr>
+          <a:xfrm>
+            <a:off x="467544" y="1304764"/>
+            <a:ext cx="8229600" cy="5004556"/>
+          </a:xfrm>
+        </p:spPr>
+        <p:txBody>
+          <a:bodyPr/>
+          <a:lstStyle/>
+          <a:p>
+            <a:r>
+              <a:rPr lang="en-GB" dirty="0" smtClean="0"/>
+              <a:t>Sample Code</a:t>
+            </a:r>
+            <a:r>
+              <a:rPr lang="en-GB" dirty="0"/>
+              <a:t> </a:t>
+            </a:r>
+            <a:r>
+              <a:rPr lang="en-GB" dirty="0" smtClean="0"/>
+              <a:t>&amp; Deck</a:t>
+            </a:r>
+            <a:endParaRPr lang="en-GB" dirty="0"/>
+          </a:p>
+          <a:p>
+            <a:pPr lvl="1"/>
+            <a:r>
+              <a:rPr lang="en-US" dirty="0" smtClean="0"/>
+              <a:t>https://</a:t>
+            </a:r>
+            <a:r>
+              <a:rPr lang="en-US" dirty="0"/>
+              <a:t>github.com/jjschlesinger/CCCRequireJS</a:t>
+            </a:r>
+            <a:r>
+              <a:rPr lang="en-US" dirty="0" smtClean="0"/>
+              <a:t>/</a:t>
+            </a:r>
+            <a:br>
+              <a:rPr lang="en-US" dirty="0" smtClean="0"/>
+            </a:br>
+            <a:endParaRPr lang="en-US" dirty="0" smtClean="0"/>
+          </a:p>
+          <a:p>
+            <a:r>
+              <a:rPr lang="en-GB" dirty="0" smtClean="0"/>
+              <a:t>Project Home</a:t>
+            </a:r>
+            <a:endParaRPr lang="en-GB" dirty="0"/>
+          </a:p>
+          <a:p>
+            <a:pPr lvl="1"/>
+            <a:r>
+              <a:rPr lang="en-US" dirty="0"/>
+              <a:t>http://requirejs.org</a:t>
+            </a:r>
+            <a:r>
+              <a:rPr lang="en-US" dirty="0" smtClean="0"/>
+              <a:t>/</a:t>
+            </a:r>
+          </a:p>
+        </p:txBody>
+      </p:sp>
+    </p:spTree>
+    <p:extLst>
+      <p:ext uri="{BB962C8B-B14F-4D97-AF65-F5344CB8AC3E}">
+        <p14:creationId xmlns:p14="http://schemas.microsoft.com/office/powerpoint/2010/main" val="3766933408"/>
+      </p:ext>
+    </p:extLst>
+  </p:cSld>
+  <p:clrMapOvr>
+    <a:masterClrMapping/>
+  </p:clrMapOvr>
+  <mc:AlternateContent xmlns:mc="http://schemas.openxmlformats.org/markup-compatibility/2006" xmlns:p14="http://schemas.microsoft.com/office/powerpoint/2010/main">
+    <mc:Choice Requires="p14">
+      <p:transition spd="slow" p14:dur="2000"/>
+    </mc:Choice>
+    <mc:Fallback xmlns="">
+      <p:transition spd="slow"/>
+    </mc:Fallback>
+  </mc:AlternateContent>
+  <p:timing>
+    <p:tnLst>
+      <p:par>
+        <p:cTn id="1" dur="indefinite" restart="never" nodeType="tmRoot">
+          <p:childTnLst>
+            <p:seq concurrent="1" nextAc="seek">
+              <p:cTn id="2" dur="indefinite" nodeType="mainSeq">
+                <p:childTnLst>
+                  <p:par>
+                    <p:cTn id="3" fill="hold">
+                      <p:stCondLst>
+                        <p:cond delay="indefinite"/>
+                      </p:stCondLst>
+                      <p:childTnLst>
+                        <p:par>
+                          <p:cTn id="4" fill="hold">
+                            <p:stCondLst>
+                              <p:cond delay="0"/>
+                            </p:stCondLst>
+                            <p:childTnLst>
+                              <p:par>
+                                <p:cTn id="5" presetID="10" presetClass="entr" presetSubtype="0" fill="hold" grpId="0" nodeType="clickEffect">
+                                  <p:stCondLst>
+                                    <p:cond delay="0"/>
+                                  </p:stCondLst>
+                                  <p:childTnLst>
+                                    <p:set>
+                                      <p:cBhvr>
+                                        <p:cTn id="6" dur="1" fill="hold">
+                                          <p:stCondLst>
+                                            <p:cond delay="0"/>
+                                          </p:stCondLst>
+                                        </p:cTn>
+                                        <p:tgtEl>
+                                          <p:spTgt spid="5">
+                                            <p:txEl>
+                                              <p:pRg st="0" end="0"/>
+                                            </p:txEl>
+                                          </p:spTgt>
+                                        </p:tgtEl>
+                                        <p:attrNameLst>
+                                          <p:attrName>style.visibility</p:attrName>
+                                        </p:attrNameLst>
+                                      </p:cBhvr>
+                                      <p:to>
+                                        <p:strVal val="visible"/>
+                                      </p:to>
+                                    </p:set>
+                                    <p:animEffect transition="in" filter="fade">
+                                      <p:cBhvr>
+                                        <p:cTn id="7" dur="500"/>
+                                        <p:tgtEl>
+                                          <p:spTgt spid="5">
+                                            <p:txEl>
+                                              <p:pRg st="0" end="0"/>
+                                            </p:txEl>
+                                          </p:spTgt>
+                                        </p:tgtEl>
+                                      </p:cBhvr>
+                                    </p:animEffect>
+                                  </p:childTnLst>
+                                </p:cTn>
+                              </p:par>
+                              <p:par>
+                                <p:cTn id="8" presetID="10" presetClass="entr" presetSubtype="0" fill="hold" grpId="0" nodeType="withEffect">
+                                  <p:stCondLst>
+                                    <p:cond delay="0"/>
+                                  </p:stCondLst>
+                                  <p:childTnLst>
+                                    <p:set>
+                                      <p:cBhvr>
+                                        <p:cTn id="9" dur="1" fill="hold">
+                                          <p:stCondLst>
+                                            <p:cond delay="0"/>
+                                          </p:stCondLst>
+                                        </p:cTn>
+                                        <p:tgtEl>
+                                          <p:spTgt spid="5">
+                                            <p:txEl>
+                                              <p:pRg st="1" end="1"/>
+                                            </p:txEl>
+                                          </p:spTgt>
+                                        </p:tgtEl>
+                                        <p:attrNameLst>
+                                          <p:attrName>style.visibility</p:attrName>
+                                        </p:attrNameLst>
+                                      </p:cBhvr>
+                                      <p:to>
+                                        <p:strVal val="visible"/>
+                                      </p:to>
+                                    </p:set>
+                                    <p:animEffect transition="in" filter="fade">
+                                      <p:cBhvr>
+                                        <p:cTn id="10" dur="500"/>
+                                        <p:tgtEl>
+                                          <p:spTgt spid="5">
+                                            <p:txEl>
+                                              <p:pRg st="1" end="1"/>
+                                            </p:txEl>
+                                          </p:spTgt>
+                                        </p:tgtEl>
+                                      </p:cBhvr>
+                                    </p:animEffect>
+                                  </p:childTnLst>
+                                </p:cTn>
+                              </p:par>
+                            </p:childTnLst>
+                          </p:cTn>
+                        </p:par>
+                      </p:childTnLst>
+                    </p:cTn>
+                  </p:par>
+                  <p:par>
+                    <p:cTn id="11" fill="hold">
+                      <p:stCondLst>
+                        <p:cond delay="indefinite"/>
+                      </p:stCondLst>
+                      <p:childTnLst>
+                        <p:par>
+                          <p:cTn id="12" fill="hold">
+                            <p:stCondLst>
+                              <p:cond delay="0"/>
+                            </p:stCondLst>
+                            <p:childTnLst>
+                              <p:par>
+                                <p:cTn id="13" presetID="10" presetClass="entr" presetSubtype="0" fill="hold" grpId="0" nodeType="clickEffect">
+                                  <p:stCondLst>
+                                    <p:cond delay="0"/>
+                                  </p:stCondLst>
+                                  <p:childTnLst>
+                                    <p:set>
+                                      <p:cBhvr>
+                                        <p:cTn id="14" dur="1" fill="hold">
+                                          <p:stCondLst>
+                                            <p:cond delay="0"/>
+                                          </p:stCondLst>
+                                        </p:cTn>
+                                        <p:tgtEl>
+                                          <p:spTgt spid="5">
+                                            <p:txEl>
+                                              <p:pRg st="2" end="2"/>
+                                            </p:txEl>
+                                          </p:spTgt>
+                                        </p:tgtEl>
+                                        <p:attrNameLst>
+                                          <p:attrName>style.visibility</p:attrName>
+                                        </p:attrNameLst>
+                                      </p:cBhvr>
+                                      <p:to>
+                                        <p:strVal val="visible"/>
+                                      </p:to>
+                                    </p:set>
+                                    <p:animEffect transition="in" filter="fade">
+                                      <p:cBhvr>
+                                        <p:cTn id="15" dur="500"/>
+                                        <p:tgtEl>
+                                          <p:spTgt spid="5">
+                                            <p:txEl>
+                                              <p:pRg st="2" end="2"/>
+                                            </p:txEl>
+                                          </p:spTgt>
+                                        </p:tgtEl>
+                                      </p:cBhvr>
+                                    </p:animEffect>
+                                  </p:childTnLst>
+                                </p:cTn>
+                              </p:par>
+                              <p:par>
+                                <p:cTn id="16" presetID="10" presetClass="entr" presetSubtype="0" fill="hold" grpId="0" nodeType="withEffect">
+                                  <p:stCondLst>
+                                    <p:cond delay="0"/>
+                                  </p:stCondLst>
+                                  <p:childTnLst>
+                                    <p:set>
+                                      <p:cBhvr>
+                                        <p:cTn id="17" dur="1" fill="hold">
+                                          <p:stCondLst>
+                                            <p:cond delay="0"/>
+                                          </p:stCondLst>
+                                        </p:cTn>
+                                        <p:tgtEl>
+                                          <p:spTgt spid="5">
+                                            <p:txEl>
+                                              <p:pRg st="3" end="3"/>
+                                            </p:txEl>
+                                          </p:spTgt>
+                                        </p:tgtEl>
+                                        <p:attrNameLst>
+                                          <p:attrName>style.visibility</p:attrName>
+                                        </p:attrNameLst>
+                                      </p:cBhvr>
+                                      <p:to>
+                                        <p:strVal val="visible"/>
+                                      </p:to>
+                                    </p:set>
+                                    <p:animEffect transition="in" filter="fade">
+                                      <p:cBhvr>
+                                        <p:cTn id="18" dur="500"/>
+                                        <p:tgtEl>
+                                          <p:spTgt spid="5">
+                                            <p:txEl>
+                                              <p:pRg st="3" end="3"/>
+                                            </p:txEl>
+                                          </p:spTgt>
+                                        </p:tgtEl>
+                                      </p:cBhvr>
+                                    </p:animEffect>
+                                  </p:childTnLst>
+                                </p:cTn>
+                              </p:par>
+                            </p:childTnLst>
+                          </p:cTn>
+                        </p:par>
+                      </p:childTnLst>
+                    </p:cTn>
+                  </p:par>
+                </p:childTnLst>
+              </p:cTn>
+              <p:prevCondLst>
+                <p:cond evt="onPrev" delay="0">
+                  <p:tgtEl>
+                    <p:sldTgt/>
+                  </p:tgtEl>
+                </p:cond>
+              </p:prevCondLst>
+              <p:nextCondLst>
+                <p:cond evt="onNext" delay="0">
+                  <p:tgtEl>
+                    <p:sldTgt/>
+                  </p:tgtEl>
+                </p:cond>
+              </p:nextCondLst>
+            </p:seq>
+          </p:childTnLst>
+        </p:cTn>
+      </p:par>
+    </p:tnLst>
+    <p:bldLst>
+      <p:bldP spid="5" grpId="0" build="p"/>
+    </p:bldLst>
   </p:timing>
 </p:sld>
 </file>
